--- a/Super Luigi Brothers.pptx
+++ b/Super Luigi Brothers.pptx
@@ -1,17 +1,16 @@
 
 <file path=ppt/presentation.xml><?xml version="1.0" encoding="utf-8"?>
-<p:presentation xmlns:a="http://schemas.openxmlformats.org/drawingml/2006/main" xmlns:r="http://schemas.openxmlformats.org/officeDocument/2006/relationships" xmlns:p="http://schemas.openxmlformats.org/presentationml/2006/main" saveSubsetFonts="1" autoCompressPictures="0">
+<p:presentation xmlns:a="http://schemas.openxmlformats.org/drawingml/2006/main" xmlns:r="http://schemas.openxmlformats.org/officeDocument/2006/relationships" xmlns:p="http://schemas.openxmlformats.org/presentationml/2006/main" autoCompressPictures="0">
   <p:sldMasterIdLst>
     <p:sldMasterId id="2147483648" r:id="rId1"/>
   </p:sldMasterIdLst>
   <p:sldIdLst>
     <p:sldId id="256" r:id="rId2"/>
     <p:sldId id="257" r:id="rId3"/>
-    <p:sldId id="262" r:id="rId4"/>
-    <p:sldId id="258" r:id="rId5"/>
-    <p:sldId id="259" r:id="rId6"/>
-    <p:sldId id="260" r:id="rId7"/>
-    <p:sldId id="261" r:id="rId8"/>
+    <p:sldId id="258" r:id="rId4"/>
+    <p:sldId id="259" r:id="rId5"/>
+    <p:sldId id="260" r:id="rId6"/>
+    <p:sldId id="261" r:id="rId7"/>
   </p:sldIdLst>
   <p:sldSz cx="12192000" cy="6858000"/>
   <p:notesSz cx="6858000" cy="9144000"/>
@@ -843,7 +842,7 @@
             <a:fld id="{B61BEF0D-F0BB-DE4B-95CE-6DB70DBA9567}" type="datetimeFigureOut">
               <a:rPr lang="en-US" dirty="0"/>
               <a:pPr/>
-              <a:t>11/29/18</a:t>
+              <a:t>11/30/2018</a:t>
             </a:fld>
             <a:endParaRPr lang="en-US" dirty="0"/>
           </a:p>
@@ -1091,7 +1090,7 @@
             <a:fld id="{B61BEF0D-F0BB-DE4B-95CE-6DB70DBA9567}" type="datetimeFigureOut">
               <a:rPr lang="en-US" dirty="0"/>
               <a:pPr/>
-              <a:t>11/29/18</a:t>
+              <a:t>11/30/2018</a:t>
             </a:fld>
             <a:endParaRPr lang="en-US" dirty="0"/>
           </a:p>
@@ -1402,7 +1401,7 @@
             <a:fld id="{B61BEF0D-F0BB-DE4B-95CE-6DB70DBA9567}" type="datetimeFigureOut">
               <a:rPr lang="en-US" dirty="0"/>
               <a:pPr/>
-              <a:t>11/29/18</a:t>
+              <a:t>11/30/2018</a:t>
             </a:fld>
             <a:endParaRPr lang="en-US" dirty="0"/>
           </a:p>
@@ -1726,7 +1725,7 @@
             <a:fld id="{B61BEF0D-F0BB-DE4B-95CE-6DB70DBA9567}" type="datetimeFigureOut">
               <a:rPr lang="en-US" dirty="0"/>
               <a:pPr/>
-              <a:t>11/29/18</a:t>
+              <a:t>11/30/2018</a:t>
             </a:fld>
             <a:endParaRPr lang="en-US" dirty="0"/>
           </a:p>
@@ -2037,7 +2036,7 @@
             <a:fld id="{B61BEF0D-F0BB-DE4B-95CE-6DB70DBA9567}" type="datetimeFigureOut">
               <a:rPr lang="en-US" dirty="0"/>
               <a:pPr/>
-              <a:t>11/29/18</a:t>
+              <a:t>11/30/2018</a:t>
             </a:fld>
             <a:endParaRPr lang="en-US" dirty="0"/>
           </a:p>
@@ -2421,7 +2420,7 @@
             <a:fld id="{B61BEF0D-F0BB-DE4B-95CE-6DB70DBA9567}" type="datetimeFigureOut">
               <a:rPr lang="en-US" dirty="0"/>
               <a:pPr/>
-              <a:t>11/29/18</a:t>
+              <a:t>11/30/2018</a:t>
             </a:fld>
             <a:endParaRPr lang="en-US" dirty="0"/>
           </a:p>
@@ -2587,7 +2586,7 @@
           <a:p>
             <a:fld id="{55C6B4A9-1611-4792-9094-5F34BCA07E0B}" type="datetimeFigureOut">
               <a:rPr lang="en-US" dirty="0"/>
-              <a:t>11/29/18</a:t>
+              <a:t>11/30/2018</a:t>
             </a:fld>
             <a:endParaRPr lang="en-US" dirty="0"/>
           </a:p>
@@ -2763,7 +2762,7 @@
             <a:fld id="{B61BEF0D-F0BB-DE4B-95CE-6DB70DBA9567}" type="datetimeFigureOut">
               <a:rPr lang="en-US" dirty="0"/>
               <a:pPr/>
-              <a:t>11/29/18</a:t>
+              <a:t>11/30/2018</a:t>
             </a:fld>
             <a:endParaRPr lang="en-US" dirty="0"/>
           </a:p>
@@ -2936,7 +2935,7 @@
             <a:fld id="{B61BEF0D-F0BB-DE4B-95CE-6DB70DBA9567}" type="datetimeFigureOut">
               <a:rPr lang="en-US" dirty="0"/>
               <a:pPr/>
-              <a:t>11/29/18</a:t>
+              <a:t>11/30/2018</a:t>
             </a:fld>
             <a:endParaRPr lang="en-US" dirty="0"/>
           </a:p>
@@ -3180,7 +3179,7 @@
             <a:fld id="{B61BEF0D-F0BB-DE4B-95CE-6DB70DBA9567}" type="datetimeFigureOut">
               <a:rPr lang="en-US" dirty="0"/>
               <a:pPr/>
-              <a:t>11/29/18</a:t>
+              <a:t>11/30/2018</a:t>
             </a:fld>
             <a:endParaRPr lang="en-US" dirty="0"/>
           </a:p>
@@ -3408,7 +3407,7 @@
           <a:p>
             <a:fld id="{EB712588-04B1-427B-82EE-E8DB90309F08}" type="datetimeFigureOut">
               <a:rPr lang="en-US" dirty="0"/>
-              <a:t>11/29/18</a:t>
+              <a:t>11/30/2018</a:t>
             </a:fld>
             <a:endParaRPr lang="en-US" dirty="0"/>
           </a:p>
@@ -3778,7 +3777,7 @@
             <a:fld id="{B61BEF0D-F0BB-DE4B-95CE-6DB70DBA9567}" type="datetimeFigureOut">
               <a:rPr lang="en-US" dirty="0"/>
               <a:pPr/>
-              <a:t>11/29/18</a:t>
+              <a:t>11/30/2018</a:t>
             </a:fld>
             <a:endParaRPr lang="en-US" dirty="0"/>
           </a:p>
@@ -3898,7 +3897,7 @@
             <a:fld id="{B61BEF0D-F0BB-DE4B-95CE-6DB70DBA9567}" type="datetimeFigureOut">
               <a:rPr lang="en-US" dirty="0"/>
               <a:pPr/>
-              <a:t>11/29/18</a:t>
+              <a:t>11/30/2018</a:t>
             </a:fld>
             <a:endParaRPr lang="en-US" dirty="0"/>
           </a:p>
@@ -3990,7 +3989,7 @@
             <a:fld id="{B61BEF0D-F0BB-DE4B-95CE-6DB70DBA9567}" type="datetimeFigureOut">
               <a:rPr lang="en-US" dirty="0"/>
               <a:pPr/>
-              <a:t>11/29/18</a:t>
+              <a:t>11/30/2018</a:t>
             </a:fld>
             <a:endParaRPr lang="en-US" dirty="0"/>
           </a:p>
@@ -4241,7 +4240,7 @@
           <a:p>
             <a:fld id="{42A54C80-263E-416B-A8E0-580EDEADCBDC}" type="datetimeFigureOut">
               <a:rPr lang="en-US" dirty="0"/>
-              <a:t>11/29/18</a:t>
+              <a:t>11/30/2018</a:t>
             </a:fld>
             <a:endParaRPr lang="en-US" dirty="0"/>
           </a:p>
@@ -4500,7 +4499,7 @@
             <a:fld id="{B61BEF0D-F0BB-DE4B-95CE-6DB70DBA9567}" type="datetimeFigureOut">
               <a:rPr lang="en-US" dirty="0"/>
               <a:pPr/>
-              <a:t>11/29/18</a:t>
+              <a:t>11/30/2018</a:t>
             </a:fld>
             <a:endParaRPr lang="en-US" dirty="0"/>
           </a:p>
@@ -5242,7 +5241,7 @@
             <a:fld id="{B61BEF0D-F0BB-DE4B-95CE-6DB70DBA9567}" type="datetimeFigureOut">
               <a:rPr lang="en-US" dirty="0"/>
               <a:pPr/>
-              <a:t>11/29/18</a:t>
+              <a:t>11/30/2018</a:t>
             </a:fld>
             <a:endParaRPr lang="en-US" dirty="0"/>
           </a:p>
@@ -5767,7 +5766,7 @@
           <p:cNvPr id="2" name="Title 1">
             <a:extLst>
               <a:ext uri="{FF2B5EF4-FFF2-40B4-BE49-F238E27FC236}">
-                <a16:creationId xmlns:a16="http://schemas.microsoft.com/office/drawing/2014/main" xmlns="" id="{FD13B000-0D6D-4765-B242-A03EAD87C090}"/>
+                <a16:creationId xmlns:a16="http://schemas.microsoft.com/office/drawing/2014/main" id="{FD13B000-0D6D-4765-B242-A03EAD87C090}"/>
               </a:ext>
             </a:extLst>
           </p:cNvPr>
@@ -5795,7 +5794,7 @@
           <p:cNvPr id="3" name="Subtitle 2">
             <a:extLst>
               <a:ext uri="{FF2B5EF4-FFF2-40B4-BE49-F238E27FC236}">
-                <a16:creationId xmlns:a16="http://schemas.microsoft.com/office/drawing/2014/main" xmlns="" id="{CD8C52D3-F0A1-4F32-A70F-CD9A0964A78E}"/>
+                <a16:creationId xmlns:a16="http://schemas.microsoft.com/office/drawing/2014/main" id="{CD8C52D3-F0A1-4F32-A70F-CD9A0964A78E}"/>
               </a:ext>
             </a:extLst>
           </p:cNvPr>
@@ -5836,13 +5835,6 @@
   <p:clrMapOvr>
     <a:masterClrMapping/>
   </p:clrMapOvr>
-  <p:timing>
-    <p:tnLst>
-      <p:par>
-        <p:cTn id="1" dur="indefinite" restart="never" nodeType="tmRoot"/>
-      </p:par>
-    </p:tnLst>
-  </p:timing>
 </p:sld>
 </file>
 
@@ -5868,7 +5860,7 @@
           <p:cNvPr id="2" name="Title 1">
             <a:extLst>
               <a:ext uri="{FF2B5EF4-FFF2-40B4-BE49-F238E27FC236}">
-                <a16:creationId xmlns:a16="http://schemas.microsoft.com/office/drawing/2014/main" xmlns="" id="{910E8B71-E084-4CC1-A4D2-E3A5A07BB0FA}"/>
+                <a16:creationId xmlns:a16="http://schemas.microsoft.com/office/drawing/2014/main" id="{910E8B71-E084-4CC1-A4D2-E3A5A07BB0FA}"/>
               </a:ext>
             </a:extLst>
           </p:cNvPr>
@@ -5896,7 +5888,7 @@
           <p:cNvPr id="3" name="Content Placeholder 2">
             <a:extLst>
               <a:ext uri="{FF2B5EF4-FFF2-40B4-BE49-F238E27FC236}">
-                <a16:creationId xmlns:a16="http://schemas.microsoft.com/office/drawing/2014/main" xmlns="" id="{D8B64131-CA13-439C-97CD-8E8F4D82A43F}"/>
+                <a16:creationId xmlns:a16="http://schemas.microsoft.com/office/drawing/2014/main" id="{D8B64131-CA13-439C-97CD-8E8F4D82A43F}"/>
               </a:ext>
             </a:extLst>
           </p:cNvPr>
@@ -5928,6 +5920,36 @@
           </a:p>
         </p:txBody>
       </p:sp>
+      <p:pic>
+        <p:nvPicPr>
+          <p:cNvPr id="135" name="Picture 134">
+            <a:extLst>
+              <a:ext uri="{FF2B5EF4-FFF2-40B4-BE49-F238E27FC236}">
+                <a16:creationId xmlns:a16="http://schemas.microsoft.com/office/drawing/2014/main" id="{2C40A1AA-0968-4F29-AC81-D5577E7E239B}"/>
+              </a:ext>
+            </a:extLst>
+          </p:cNvPr>
+          <p:cNvPicPr>
+            <a:picLocks noChangeAspect="1"/>
+          </p:cNvPicPr>
+          <p:nvPr/>
+        </p:nvPicPr>
+        <p:blipFill>
+          <a:blip r:embed="rId2"/>
+          <a:stretch>
+            <a:fillRect/>
+          </a:stretch>
+        </p:blipFill>
+        <p:spPr>
+          <a:xfrm>
+            <a:off x="1521744" y="4033157"/>
+            <a:ext cx="6260181" cy="1788623"/>
+          </a:xfrm>
+          <a:prstGeom prst="rect">
+            <a:avLst/>
+          </a:prstGeom>
+        </p:spPr>
+      </p:pic>
     </p:spTree>
     <p:extLst>
       <p:ext uri="{BB962C8B-B14F-4D97-AF65-F5344CB8AC3E}">
@@ -5938,13 +5960,6 @@
   <p:clrMapOvr>
     <a:masterClrMapping/>
   </p:clrMapOvr>
-  <p:timing>
-    <p:tnLst>
-      <p:par>
-        <p:cTn id="1" dur="indefinite" restart="never" nodeType="tmRoot"/>
-      </p:par>
-    </p:tnLst>
-  </p:timing>
 </p:sld>
 </file>
 
@@ -5965,143 +5980,112 @@
           <a:chExt cx="0" cy="0"/>
         </a:xfrm>
       </p:grpSpPr>
+      <p:sp>
+        <p:nvSpPr>
+          <p:cNvPr id="2" name="Title 1">
+            <a:extLst>
+              <a:ext uri="{FF2B5EF4-FFF2-40B4-BE49-F238E27FC236}">
+                <a16:creationId xmlns:a16="http://schemas.microsoft.com/office/drawing/2014/main" id="{7B92FB23-1366-4F7D-B9DA-6B784FABD27F}"/>
+              </a:ext>
+            </a:extLst>
+          </p:cNvPr>
+          <p:cNvSpPr>
+            <a:spLocks noGrp="1"/>
+          </p:cNvSpPr>
+          <p:nvPr>
+            <p:ph type="title"/>
+          </p:nvPr>
+        </p:nvSpPr>
+        <p:spPr/>
+        <p:txBody>
+          <a:bodyPr/>
+          <a:lstStyle/>
+          <a:p>
+            <a:r>
+              <a:rPr lang="en-US" dirty="0"/>
+              <a:t>Collision</a:t>
+            </a:r>
+          </a:p>
+        </p:txBody>
+      </p:sp>
+      <p:sp>
+        <p:nvSpPr>
+          <p:cNvPr id="3" name="Content Placeholder 2">
+            <a:extLst>
+              <a:ext uri="{FF2B5EF4-FFF2-40B4-BE49-F238E27FC236}">
+                <a16:creationId xmlns:a16="http://schemas.microsoft.com/office/drawing/2014/main" id="{36F226D8-1228-43E6-8764-7A23B4913A24}"/>
+              </a:ext>
+            </a:extLst>
+          </p:cNvPr>
+          <p:cNvSpPr>
+            <a:spLocks noGrp="1"/>
+          </p:cNvSpPr>
+          <p:nvPr>
+            <p:ph idx="1"/>
+          </p:nvPr>
+        </p:nvSpPr>
+        <p:spPr>
+          <a:xfrm>
+            <a:off x="677335" y="2160589"/>
+            <a:ext cx="3469550" cy="1120021"/>
+          </a:xfrm>
+        </p:spPr>
+        <p:txBody>
+          <a:bodyPr>
+            <a:normAutofit lnSpcReduction="10000"/>
+          </a:bodyPr>
+          <a:lstStyle/>
+          <a:p>
+            <a:r>
+              <a:rPr lang="en-US" dirty="0"/>
+              <a:t>If collision is detected on a platform or the floor then the program does not allow the player to go through it.</a:t>
+            </a:r>
+          </a:p>
+          <a:p>
+            <a:endParaRPr lang="en-US" dirty="0"/>
+          </a:p>
+        </p:txBody>
+      </p:sp>
       <p:pic>
         <p:nvPicPr>
-          <p:cNvPr id="5" name="Picture 4"/>
+          <p:cNvPr id="7" name="Picture 6">
+            <a:extLst>
+              <a:ext uri="{FF2B5EF4-FFF2-40B4-BE49-F238E27FC236}">
+                <a16:creationId xmlns:a16="http://schemas.microsoft.com/office/drawing/2014/main" id="{94A51EC1-4BA0-4DD4-9209-1EA00932FC65}"/>
+              </a:ext>
+            </a:extLst>
+          </p:cNvPr>
           <p:cNvPicPr>
             <a:picLocks noChangeAspect="1"/>
           </p:cNvPicPr>
           <p:nvPr/>
         </p:nvPicPr>
         <p:blipFill>
-          <a:blip r:embed="rId2">
-            <a:extLst>
-              <a:ext uri="{28A0092B-C50C-407E-A947-70E740481C1C}">
-                <a14:useLocalDpi xmlns:a14="http://schemas.microsoft.com/office/drawing/2010/main" val="0"/>
-              </a:ext>
-            </a:extLst>
-          </a:blip>
+          <a:blip r:embed="rId2"/>
           <a:stretch>
             <a:fillRect/>
           </a:stretch>
         </p:blipFill>
         <p:spPr>
           <a:xfrm>
-            <a:off x="6634264" y="832865"/>
-            <a:ext cx="5207540" cy="6025135"/>
+            <a:off x="4247478" y="548640"/>
+            <a:ext cx="5363904" cy="5760720"/>
           </a:xfrm>
           <a:prstGeom prst="rect">
             <a:avLst/>
           </a:prstGeom>
         </p:spPr>
       </p:pic>
-      <p:pic>
-        <p:nvPicPr>
-          <p:cNvPr id="6" name="Picture 5"/>
-          <p:cNvPicPr>
-            <a:picLocks noChangeAspect="1"/>
-          </p:cNvPicPr>
-          <p:nvPr/>
-        </p:nvPicPr>
-        <p:blipFill>
-          <a:blip r:embed="rId3">
-            <a:extLst>
-              <a:ext uri="{28A0092B-C50C-407E-A947-70E740481C1C}">
-                <a14:useLocalDpi xmlns:a14="http://schemas.microsoft.com/office/drawing/2010/main" val="0"/>
-              </a:ext>
-            </a:extLst>
-          </a:blip>
-          <a:stretch>
-            <a:fillRect/>
-          </a:stretch>
-        </p:blipFill>
-        <p:spPr>
-          <a:xfrm>
-            <a:off x="0" y="832864"/>
-            <a:ext cx="6209463" cy="6010555"/>
-          </a:xfrm>
-          <a:prstGeom prst="rect">
-            <a:avLst/>
-          </a:prstGeom>
-        </p:spPr>
-      </p:pic>
-      <p:sp>
-        <p:nvSpPr>
-          <p:cNvPr id="7" name="TextBox 6"/>
-          <p:cNvSpPr txBox="1"/>
-          <p:nvPr/>
-        </p:nvSpPr>
-        <p:spPr>
-          <a:xfrm>
-            <a:off x="1906621" y="350196"/>
-            <a:ext cx="832279" cy="369332"/>
-          </a:xfrm>
-          <a:prstGeom prst="rect">
-            <a:avLst/>
-          </a:prstGeom>
-          <a:noFill/>
-        </p:spPr>
-        <p:txBody>
-          <a:bodyPr wrap="none" rtlCol="0">
-            <a:spAutoFit/>
-          </a:bodyPr>
-          <a:lstStyle/>
-          <a:p>
-            <a:r>
-              <a:rPr lang="en-US" dirty="0" smtClean="0"/>
-              <a:t>Player</a:t>
-            </a:r>
-            <a:endParaRPr lang="en-US" dirty="0"/>
-          </a:p>
-        </p:txBody>
-      </p:sp>
-      <p:sp>
-        <p:nvSpPr>
-          <p:cNvPr id="8" name="TextBox 7"/>
-          <p:cNvSpPr txBox="1"/>
-          <p:nvPr/>
-        </p:nvSpPr>
-        <p:spPr>
-          <a:xfrm>
-            <a:off x="8832715" y="505838"/>
-            <a:ext cx="867545" cy="369332"/>
-          </a:xfrm>
-          <a:prstGeom prst="rect">
-            <a:avLst/>
-          </a:prstGeom>
-          <a:noFill/>
-        </p:spPr>
-        <p:txBody>
-          <a:bodyPr wrap="none" rtlCol="0">
-            <a:spAutoFit/>
-          </a:bodyPr>
-          <a:lstStyle/>
-          <a:p>
-            <a:r>
-              <a:rPr lang="en-US" dirty="0" smtClean="0"/>
-              <a:t>Enemy</a:t>
-            </a:r>
-            <a:endParaRPr lang="en-US" dirty="0"/>
-          </a:p>
-        </p:txBody>
-      </p:sp>
     </p:spTree>
     <p:extLst>
       <p:ext uri="{BB962C8B-B14F-4D97-AF65-F5344CB8AC3E}">
-        <p14:creationId xmlns:p14="http://schemas.microsoft.com/office/powerpoint/2010/main" val="1597047332"/>
+        <p14:creationId xmlns:p14="http://schemas.microsoft.com/office/powerpoint/2010/main" val="463317343"/>
       </p:ext>
     </p:extLst>
   </p:cSld>
   <p:clrMapOvr>
     <a:masterClrMapping/>
   </p:clrMapOvr>
-  <p:timing>
-    <p:tnLst>
-      <p:par>
-        <p:cTn id="1" dur="indefinite" restart="never" nodeType="tmRoot"/>
-      </p:par>
-    </p:tnLst>
-  </p:timing>
 </p:sld>
 </file>
 
@@ -6127,7 +6111,7 @@
           <p:cNvPr id="2" name="Title 1">
             <a:extLst>
               <a:ext uri="{FF2B5EF4-FFF2-40B4-BE49-F238E27FC236}">
-                <a16:creationId xmlns:a16="http://schemas.microsoft.com/office/drawing/2014/main" xmlns="" id="{7B92FB23-1366-4F7D-B9DA-6B784FABD27F}"/>
+                <a16:creationId xmlns:a16="http://schemas.microsoft.com/office/drawing/2014/main" id="{FD9957F0-E706-4107-B1FA-EB2DA0DFB2E4}"/>
               </a:ext>
             </a:extLst>
           </p:cNvPr>
@@ -6145,7 +6129,7 @@
           <a:p>
             <a:r>
               <a:rPr lang="en-US" dirty="0"/>
-              <a:t>Collision and gravity</a:t>
+              <a:t>Levels and Score</a:t>
             </a:r>
           </a:p>
         </p:txBody>
@@ -6155,7 +6139,7 @@
           <p:cNvPr id="3" name="Content Placeholder 2">
             <a:extLst>
               <a:ext uri="{FF2B5EF4-FFF2-40B4-BE49-F238E27FC236}">
-                <a16:creationId xmlns:a16="http://schemas.microsoft.com/office/drawing/2014/main" xmlns="" id="{36F226D8-1228-43E6-8764-7A23B4913A24}"/>
+                <a16:creationId xmlns:a16="http://schemas.microsoft.com/office/drawing/2014/main" id="{FF6BD522-9A5D-4B6E-8440-202F0A033634}"/>
               </a:ext>
             </a:extLst>
           </p:cNvPr>
@@ -6166,78 +6150,60 @@
             <p:ph idx="1"/>
           </p:nvPr>
         </p:nvSpPr>
-        <p:spPr/>
+        <p:spPr>
+          <a:xfrm>
+            <a:off x="677334" y="2160589"/>
+            <a:ext cx="3525698" cy="3880773"/>
+          </a:xfrm>
+        </p:spPr>
         <p:txBody>
           <a:bodyPr/>
           <a:lstStyle/>
           <a:p>
             <a:r>
               <a:rPr lang="en-US" dirty="0"/>
-              <a:t>Gravity knocks you down when trying to move upward.</a:t>
-            </a:r>
-          </a:p>
-          <a:p>
+              <a:t>The levels change depending on the score achieved by the player</a:t>
+            </a:r>
+          </a:p>
+          <a:p>
+            <a:pPr lvl="1"/>
             <a:r>
               <a:rPr lang="en-US" dirty="0"/>
-              <a:t>If collision is detected on a platform or the floor then the program does not allow the player to go through it.</a:t>
+              <a:t>Points are achieved by being alive</a:t>
+            </a:r>
+          </a:p>
+          <a:p>
+            <a:r>
+              <a:rPr lang="en-US" dirty="0"/>
+              <a:t>The token class was created with an automatic movement function and no bounds on the width of the screen to continuously travel.</a:t>
             </a:r>
           </a:p>
         </p:txBody>
       </p:sp>
       <p:pic>
         <p:nvPicPr>
-          <p:cNvPr id="4" name="Picture 3"/>
+          <p:cNvPr id="4" name="Picture 3">
+            <a:extLst>
+              <a:ext uri="{FF2B5EF4-FFF2-40B4-BE49-F238E27FC236}">
+                <a16:creationId xmlns:a16="http://schemas.microsoft.com/office/drawing/2014/main" id="{8BDE88D9-518D-437D-ACFE-E87725F7A358}"/>
+              </a:ext>
+            </a:extLst>
+          </p:cNvPr>
           <p:cNvPicPr>
             <a:picLocks noChangeAspect="1"/>
           </p:cNvPicPr>
           <p:nvPr/>
         </p:nvPicPr>
         <p:blipFill>
-          <a:blip r:embed="rId2">
-            <a:extLst>
-              <a:ext uri="{28A0092B-C50C-407E-A947-70E740481C1C}">
-                <a14:useLocalDpi xmlns:a14="http://schemas.microsoft.com/office/drawing/2010/main" val="0"/>
-              </a:ext>
-            </a:extLst>
-          </a:blip>
+          <a:blip r:embed="rId2"/>
           <a:stretch>
             <a:fillRect/>
           </a:stretch>
         </p:blipFill>
         <p:spPr>
           <a:xfrm>
-            <a:off x="7534656" y="2928210"/>
-            <a:ext cx="4641042" cy="3929790"/>
-          </a:xfrm>
-          <a:prstGeom prst="rect">
-            <a:avLst/>
-          </a:prstGeom>
-        </p:spPr>
-      </p:pic>
-      <p:pic>
-        <p:nvPicPr>
-          <p:cNvPr id="5" name="Picture 4"/>
-          <p:cNvPicPr>
-            <a:picLocks noChangeAspect="1"/>
-          </p:cNvPicPr>
-          <p:nvPr/>
-        </p:nvPicPr>
-        <p:blipFill>
-          <a:blip r:embed="rId3">
-            <a:extLst>
-              <a:ext uri="{28A0092B-C50C-407E-A947-70E740481C1C}">
-                <a14:useLocalDpi xmlns:a14="http://schemas.microsoft.com/office/drawing/2010/main" val="0"/>
-              </a:ext>
-            </a:extLst>
-          </a:blip>
-          <a:stretch>
-            <a:fillRect/>
-          </a:stretch>
-        </p:blipFill>
-        <p:spPr>
-          <a:xfrm>
-            <a:off x="1145032" y="4068431"/>
-            <a:ext cx="4914900" cy="1587500"/>
+            <a:off x="4975668" y="290512"/>
+            <a:ext cx="3457575" cy="6276975"/>
           </a:xfrm>
           <a:prstGeom prst="rect">
             <a:avLst/>
@@ -6247,20 +6213,13 @@
     </p:spTree>
     <p:extLst>
       <p:ext uri="{BB962C8B-B14F-4D97-AF65-F5344CB8AC3E}">
-        <p14:creationId xmlns:p14="http://schemas.microsoft.com/office/powerpoint/2010/main" val="463317343"/>
+        <p14:creationId xmlns:p14="http://schemas.microsoft.com/office/powerpoint/2010/main" val="1146054122"/>
       </p:ext>
     </p:extLst>
   </p:cSld>
   <p:clrMapOvr>
     <a:masterClrMapping/>
   </p:clrMapOvr>
-  <p:timing>
-    <p:tnLst>
-      <p:par>
-        <p:cTn id="1" dur="indefinite" restart="never" nodeType="tmRoot"/>
-      </p:par>
-    </p:tnLst>
-  </p:timing>
 </p:sld>
 </file>
 
@@ -6286,7 +6245,7 @@
           <p:cNvPr id="2" name="Title 1">
             <a:extLst>
               <a:ext uri="{FF2B5EF4-FFF2-40B4-BE49-F238E27FC236}">
-                <a16:creationId xmlns:a16="http://schemas.microsoft.com/office/drawing/2014/main" xmlns="" id="{FD9957F0-E706-4107-B1FA-EB2DA0DFB2E4}"/>
+                <a16:creationId xmlns:a16="http://schemas.microsoft.com/office/drawing/2014/main" id="{B50C265A-BBDC-452C-8D86-8F33A81C459C}"/>
               </a:ext>
             </a:extLst>
           </p:cNvPr>
@@ -6304,7 +6263,7 @@
           <a:p>
             <a:r>
               <a:rPr lang="en-US" dirty="0"/>
-              <a:t>Levels and Score</a:t>
+              <a:t>Bonus</a:t>
             </a:r>
           </a:p>
         </p:txBody>
@@ -6314,7 +6273,7 @@
           <p:cNvPr id="3" name="Content Placeholder 2">
             <a:extLst>
               <a:ext uri="{FF2B5EF4-FFF2-40B4-BE49-F238E27FC236}">
-                <a16:creationId xmlns:a16="http://schemas.microsoft.com/office/drawing/2014/main" xmlns="" id="{FF6BD522-9A5D-4B6E-8440-202F0A033634}"/>
+                <a16:creationId xmlns:a16="http://schemas.microsoft.com/office/drawing/2014/main" id="{9CC19121-83E4-429A-A0DE-F0CEA21D4048}"/>
               </a:ext>
             </a:extLst>
           </p:cNvPr>
@@ -6332,65 +6291,77 @@
           <a:p>
             <a:r>
               <a:rPr lang="en-US" dirty="0"/>
-              <a:t>The levels change depending on the score achieved by the player</a:t>
-            </a:r>
-          </a:p>
-          <a:p>
-            <a:pPr lvl="1"/>
+              <a:t>Playing the game with 2 players is available and it is a cooperative game</a:t>
+            </a:r>
+          </a:p>
+          <a:p>
             <a:r>
               <a:rPr lang="en-US" dirty="0"/>
-              <a:t>Points are achieved by being alive</a:t>
+              <a:t>Theme music plays when the players begin to play and continues to play until the player loses all of their lives or they quit the game.</a:t>
             </a:r>
           </a:p>
           <a:p>
             <a:r>
               <a:rPr lang="en-US" dirty="0"/>
-              <a:t>The player is provided 5 live at the beginning of the game </a:t>
-            </a:r>
-          </a:p>
-          <a:p>
-            <a:r>
-              <a:rPr lang="en-US" dirty="0"/>
-              <a:t>The score increases when the player kills an enemy or collects a </a:t>
-            </a:r>
-            <a:r>
-              <a:rPr lang="en-US" dirty="0" smtClean="0"/>
-              <a:t>coin</a:t>
-            </a:r>
-            <a:endParaRPr lang="en-US" dirty="0"/>
-          </a:p>
-          <a:p>
-            <a:r>
-              <a:rPr lang="en-US" dirty="0"/>
-              <a:t>The token class was created with an automatic movement function and no bounds on the width of the screen to continuously travel.</a:t>
+              <a:t>Press C to advance to the “secret” Christmas level for a surprise</a:t>
             </a:r>
           </a:p>
         </p:txBody>
       </p:sp>
       <p:pic>
         <p:nvPicPr>
-          <p:cNvPr id="4" name="Picture 3"/>
+          <p:cNvPr id="4" name="Picture 3">
+            <a:extLst>
+              <a:ext uri="{FF2B5EF4-FFF2-40B4-BE49-F238E27FC236}">
+                <a16:creationId xmlns:a16="http://schemas.microsoft.com/office/drawing/2014/main" id="{0FD9885C-F688-4417-996A-C36308FCC7A4}"/>
+              </a:ext>
+            </a:extLst>
+          </p:cNvPr>
           <p:cNvPicPr>
             <a:picLocks noChangeAspect="1"/>
           </p:cNvPicPr>
           <p:nvPr/>
         </p:nvPicPr>
         <p:blipFill>
-          <a:blip r:embed="rId2">
-            <a:extLst>
-              <a:ext uri="{28A0092B-C50C-407E-A947-70E740481C1C}">
-                <a14:useLocalDpi xmlns:a14="http://schemas.microsoft.com/office/drawing/2010/main" val="0"/>
-              </a:ext>
-            </a:extLst>
-          </a:blip>
+          <a:blip r:embed="rId2"/>
           <a:stretch>
             <a:fillRect/>
           </a:stretch>
         </p:blipFill>
         <p:spPr>
           <a:xfrm>
-            <a:off x="8768164" y="-5555"/>
-            <a:ext cx="4112105" cy="4102100"/>
+            <a:off x="308560" y="3882189"/>
+            <a:ext cx="4864916" cy="807369"/>
+          </a:xfrm>
+          <a:prstGeom prst="rect">
+            <a:avLst/>
+          </a:prstGeom>
+        </p:spPr>
+      </p:pic>
+      <p:pic>
+        <p:nvPicPr>
+          <p:cNvPr id="5" name="Picture 4">
+            <a:extLst>
+              <a:ext uri="{FF2B5EF4-FFF2-40B4-BE49-F238E27FC236}">
+                <a16:creationId xmlns:a16="http://schemas.microsoft.com/office/drawing/2014/main" id="{43EC6296-49D4-4A98-9F00-0106FFDF8540}"/>
+              </a:ext>
+            </a:extLst>
+          </p:cNvPr>
+          <p:cNvPicPr>
+            <a:picLocks noChangeAspect="1"/>
+          </p:cNvPicPr>
+          <p:nvPr/>
+        </p:nvPicPr>
+        <p:blipFill>
+          <a:blip r:embed="rId3"/>
+          <a:stretch>
+            <a:fillRect/>
+          </a:stretch>
+        </p:blipFill>
+        <p:spPr>
+          <a:xfrm>
+            <a:off x="5542250" y="4051635"/>
+            <a:ext cx="3972041" cy="1089108"/>
           </a:xfrm>
           <a:prstGeom prst="rect">
             <a:avLst/>
@@ -6400,20 +6371,13 @@
     </p:spTree>
     <p:extLst>
       <p:ext uri="{BB962C8B-B14F-4D97-AF65-F5344CB8AC3E}">
-        <p14:creationId xmlns:p14="http://schemas.microsoft.com/office/powerpoint/2010/main" val="1146054122"/>
+        <p14:creationId xmlns:p14="http://schemas.microsoft.com/office/powerpoint/2010/main" val="3136566590"/>
       </p:ext>
     </p:extLst>
   </p:cSld>
   <p:clrMapOvr>
     <a:masterClrMapping/>
   </p:clrMapOvr>
-  <p:timing>
-    <p:tnLst>
-      <p:par>
-        <p:cTn id="1" dur="indefinite" restart="never" nodeType="tmRoot"/>
-      </p:par>
-    </p:tnLst>
-  </p:timing>
 </p:sld>
 </file>
 
@@ -6439,7 +6403,7 @@
           <p:cNvPr id="2" name="Title 1">
             <a:extLst>
               <a:ext uri="{FF2B5EF4-FFF2-40B4-BE49-F238E27FC236}">
-                <a16:creationId xmlns:a16="http://schemas.microsoft.com/office/drawing/2014/main" xmlns="" id="{B50C265A-BBDC-452C-8D86-8F33A81C459C}"/>
+                <a16:creationId xmlns:a16="http://schemas.microsoft.com/office/drawing/2014/main" id="{23324320-97DB-48C1-ABDD-AFD3723479FA}"/>
               </a:ext>
             </a:extLst>
           </p:cNvPr>
@@ -6457,7 +6421,7 @@
           <a:p>
             <a:r>
               <a:rPr lang="en-US" dirty="0"/>
-              <a:t>Bonus</a:t>
+              <a:t>Goals that were not achieved</a:t>
             </a:r>
           </a:p>
         </p:txBody>
@@ -6467,120 +6431,7 @@
           <p:cNvPr id="3" name="Content Placeholder 2">
             <a:extLst>
               <a:ext uri="{FF2B5EF4-FFF2-40B4-BE49-F238E27FC236}">
-                <a16:creationId xmlns:a16="http://schemas.microsoft.com/office/drawing/2014/main" xmlns="" id="{9CC19121-83E4-429A-A0DE-F0CEA21D4048}"/>
-              </a:ext>
-            </a:extLst>
-          </p:cNvPr>
-          <p:cNvSpPr>
-            <a:spLocks noGrp="1"/>
-          </p:cNvSpPr>
-          <p:nvPr>
-            <p:ph idx="1"/>
-          </p:nvPr>
-        </p:nvSpPr>
-        <p:spPr/>
-        <p:txBody>
-          <a:bodyPr/>
-          <a:lstStyle/>
-          <a:p>
-            <a:r>
-              <a:rPr lang="en-US" dirty="0"/>
-              <a:t>Playing the game with 2 players is available and it is a cooperative game</a:t>
-            </a:r>
-          </a:p>
-          <a:p>
-            <a:r>
-              <a:rPr lang="en-US" dirty="0"/>
-              <a:t>Theme music plays when the players begin to play and continues to play until the player loses all of their lives or they quit the game.</a:t>
-            </a:r>
-          </a:p>
-          <a:p>
-            <a:r>
-              <a:rPr lang="en-US" dirty="0" smtClean="0"/>
-              <a:t>Achieve a score greater than 50,000 </a:t>
-            </a:r>
-            <a:r>
-              <a:rPr lang="en-US" dirty="0" smtClean="0"/>
-              <a:t>to </a:t>
-            </a:r>
-            <a:r>
-              <a:rPr lang="en-US" dirty="0"/>
-              <a:t>advance to the “secret” Christmas level for a surprise</a:t>
-            </a:r>
-          </a:p>
-        </p:txBody>
-      </p:sp>
-    </p:spTree>
-    <p:extLst>
-      <p:ext uri="{BB962C8B-B14F-4D97-AF65-F5344CB8AC3E}">
-        <p14:creationId xmlns:p14="http://schemas.microsoft.com/office/powerpoint/2010/main" val="3136566590"/>
-      </p:ext>
-    </p:extLst>
-  </p:cSld>
-  <p:clrMapOvr>
-    <a:masterClrMapping/>
-  </p:clrMapOvr>
-  <p:timing>
-    <p:tnLst>
-      <p:par>
-        <p:cTn id="1" dur="indefinite" restart="never" nodeType="tmRoot"/>
-      </p:par>
-    </p:tnLst>
-  </p:timing>
-</p:sld>
-</file>
-
-<file path=ppt/slides/slide7.xml><?xml version="1.0" encoding="utf-8"?>
-<p:sld xmlns:a="http://schemas.openxmlformats.org/drawingml/2006/main" xmlns:r="http://schemas.openxmlformats.org/officeDocument/2006/relationships" xmlns:p="http://schemas.openxmlformats.org/presentationml/2006/main">
-  <p:cSld>
-    <p:spTree>
-      <p:nvGrpSpPr>
-        <p:cNvPr id="1" name=""/>
-        <p:cNvGrpSpPr/>
-        <p:nvPr/>
-      </p:nvGrpSpPr>
-      <p:grpSpPr>
-        <a:xfrm>
-          <a:off x="0" y="0"/>
-          <a:ext cx="0" cy="0"/>
-          <a:chOff x="0" y="0"/>
-          <a:chExt cx="0" cy="0"/>
-        </a:xfrm>
-      </p:grpSpPr>
-      <p:sp>
-        <p:nvSpPr>
-          <p:cNvPr id="2" name="Title 1">
-            <a:extLst>
-              <a:ext uri="{FF2B5EF4-FFF2-40B4-BE49-F238E27FC236}">
-                <a16:creationId xmlns:a16="http://schemas.microsoft.com/office/drawing/2014/main" xmlns="" id="{23324320-97DB-48C1-ABDD-AFD3723479FA}"/>
-              </a:ext>
-            </a:extLst>
-          </p:cNvPr>
-          <p:cNvSpPr>
-            <a:spLocks noGrp="1"/>
-          </p:cNvSpPr>
-          <p:nvPr>
-            <p:ph type="title"/>
-          </p:nvPr>
-        </p:nvSpPr>
-        <p:spPr/>
-        <p:txBody>
-          <a:bodyPr/>
-          <a:lstStyle/>
-          <a:p>
-            <a:r>
-              <a:rPr lang="en-US" dirty="0"/>
-              <a:t>Goals that were not achieved</a:t>
-            </a:r>
-          </a:p>
-        </p:txBody>
-      </p:sp>
-      <p:sp>
-        <p:nvSpPr>
-          <p:cNvPr id="3" name="Content Placeholder 2">
-            <a:extLst>
-              <a:ext uri="{FF2B5EF4-FFF2-40B4-BE49-F238E27FC236}">
-                <a16:creationId xmlns:a16="http://schemas.microsoft.com/office/drawing/2014/main" xmlns="" id="{4A75D69C-BB8D-4C8B-9B48-1BDF883BC071}"/>
+                <a16:creationId xmlns:a16="http://schemas.microsoft.com/office/drawing/2014/main" id="{4A75D69C-BB8D-4C8B-9B48-1BDF883BC071}"/>
               </a:ext>
             </a:extLst>
           </p:cNvPr>
@@ -6616,22 +6467,14 @@
           <a:p>
             <a:r>
               <a:rPr lang="en-US" dirty="0"/>
-              <a:t>No collision between classes</a:t>
+              <a:t>No collision between the players and enemies and the tokens</a:t>
             </a:r>
           </a:p>
           <a:p>
             <a:pPr lvl="1"/>
             <a:r>
               <a:rPr lang="en-US" dirty="0"/>
-              <a:t>Platform collision was achieved but ineffective (</a:t>
-            </a:r>
-            <a:r>
-              <a:rPr lang="en-US" dirty="0" err="1"/>
-              <a:t>jankty</a:t>
-            </a:r>
-            <a:r>
-              <a:rPr lang="en-US" dirty="0"/>
-              <a:t>)</a:t>
+              <a:t>Tokens and enemies do not disappear or collide with the two players nor can the two different players collide with one another.</a:t>
             </a:r>
           </a:p>
           <a:p>
@@ -6644,7 +6487,7 @@
             <a:pPr lvl="1"/>
             <a:r>
               <a:rPr lang="en-US" dirty="0"/>
-              <a:t>Gravity works but a parabola was not attained</a:t>
+              <a:t>Collision works but gravity was never implemented </a:t>
             </a:r>
           </a:p>
           <a:p>
@@ -6662,13 +6505,6 @@
   <p:clrMapOvr>
     <a:masterClrMapping/>
   </p:clrMapOvr>
-  <p:timing>
-    <p:tnLst>
-      <p:par>
-        <p:cTn id="1" dur="indefinite" restart="never" nodeType="tmRoot"/>
-      </p:par>
-    </p:tnLst>
-  </p:timing>
 </p:sld>
 </file>
 
